--- a/Project PPT.pptx
+++ b/Project PPT.pptx
@@ -270,7 +270,7 @@
       </p15:sldGuideLst>
     </p:ext>
     <p:ext uri="http://customooxmlschemas.google.com/">
-      <go:slidesCustomData xmlns="" xmlns:go="http://customooxmlschemas.google.com/" xmlns:p15="http://schemas.microsoft.com/office/powerpoint/2012/main" xmlns:p14="http://schemas.microsoft.com/office/powerpoint/2010/main" xmlns:com="http://schemas.openxmlformats.org/drawingml/2006/compatibility" xmlns:pvml="urn:schemas-microsoft-com:office:powerpoint" xmlns:v="urn:schemas-microsoft-com:vml" xmlns:o="urn:schemas-microsoft-com:office:office" xmlns:dgm="http://schemas.openxmlformats.org/drawingml/2006/diagram" xmlns:c="http://schemas.openxmlformats.org/drawingml/2006/chart" xmlns:mv="urn:schemas-microsoft-com:mac:vml" xmlns:mc="http://schemas.openxmlformats.org/markup-compatibility/2006" r:id="rId220" roundtripDataSignature="AMtx7miWNY2LB4ETJwrL8F0N+EK9hEhqUQ=="/>
+      <go:slidesCustomData xmlns:mc="http://schemas.openxmlformats.org/markup-compatibility/2006" xmlns:mv="urn:schemas-microsoft-com:mac:vml" xmlns:c="http://schemas.openxmlformats.org/drawingml/2006/chart" xmlns:dgm="http://schemas.openxmlformats.org/drawingml/2006/diagram" xmlns:o="urn:schemas-microsoft-com:office:office" xmlns:v="urn:schemas-microsoft-com:vml" xmlns:pvml="urn:schemas-microsoft-com:office:powerpoint" xmlns:com="http://schemas.openxmlformats.org/drawingml/2006/compatibility" xmlns:p14="http://schemas.microsoft.com/office/powerpoint/2010/main" xmlns:p15="http://schemas.microsoft.com/office/powerpoint/2012/main" xmlns:go="http://customooxmlschemas.google.com/" xmlns="" r:id="rId220" roundtripDataSignature="AMtx7miWNY2LB4ETJwrL8F0N+EK9hEhqUQ=="/>
     </p:ext>
   </p:extLst>
 </p:presentation>
@@ -6721,13 +6721,13 @@
               <a:t> </a:t>
             </a:r>
             <a:r>
-              <a:rPr lang="en-US" altLang="en-US" sz="1800" dirty="0">
+              <a:rPr lang="en-US" altLang="en-US" sz="1800">
                 <a:solidFill>
                   <a:schemeClr val="tx1"/>
                 </a:solidFill>
                 <a:latin typeface="Arial" panose="020B0604020202020204" pitchFamily="34" charset="0"/>
               </a:rPr>
-              <a:t>— </a:t>
+              <a:t>— https://github.com/Sahilll777/Project-DataSci</a:t>
             </a:r>
             <a:endParaRPr kumimoji="0" lang="en-US" altLang="en-US" sz="1800" b="0" u="none" strike="noStrike" cap="none" normalizeH="0" baseline="0" dirty="0">
               <a:ln>
@@ -7624,15 +7624,6 @@
 </file>
 
 <file path=customXml/item1.xml><?xml version="1.0" encoding="utf-8"?>
-<?mso-contentType ?>
-<FormTemplates xmlns="http://schemas.microsoft.com/sharepoint/v3/contenttype/forms">
-  <Display>DocumentLibraryForm</Display>
-  <Edit>DocumentLibraryForm</Edit>
-  <New>DocumentLibraryForm</New>
-</FormTemplates>
-</file>
-
-<file path=customXml/item2.xml><?xml version="1.0" encoding="utf-8"?>
 <ct:contentTypeSchema xmlns:ct="http://schemas.microsoft.com/office/2006/metadata/contentType" xmlns:ma="http://schemas.microsoft.com/office/2006/metadata/properties/metaAttributes" ct:_="" ma:_="" ma:contentTypeName="Document" ma:contentTypeID="0x0101000F1872188ABCFC48BECA6C87E8AC3285" ma:contentTypeVersion="15" ma:contentTypeDescription="Create a new document." ma:contentTypeScope="" ma:versionID="7670618c03e54fbae4a17ecb2d0ed10f">
   <xsd:schema xmlns:xsd="http://www.w3.org/2001/XMLSchema" xmlns:xs="http://www.w3.org/2001/XMLSchema" xmlns:p="http://schemas.microsoft.com/office/2006/metadata/properties" xmlns:ns3="9162bd5b-4ed9-4da3-b376-05204580ba3f" xmlns:ns4="c0fa2617-96bd-425d-8578-e93563fe37c5" targetNamespace="http://schemas.microsoft.com/office/2006/metadata/properties" ma:root="true" ma:fieldsID="3d63de1c5a217044e31e0c8b260d3d71" ns3:_="" ns4:_="">
     <xsd:import namespace="9162bd5b-4ed9-4da3-b376-05204580ba3f"/>
@@ -7867,6 +7858,15 @@
 </ct:contentTypeSchema>
 </file>
 
+<file path=customXml/item2.xml><?xml version="1.0" encoding="utf-8"?>
+<?mso-contentType ?>
+<FormTemplates xmlns="http://schemas.microsoft.com/sharepoint/v3/contenttype/forms">
+  <Display>DocumentLibraryForm</Display>
+  <Edit>DocumentLibraryForm</Edit>
+  <New>DocumentLibraryForm</New>
+</FormTemplates>
+</file>
+
 <file path=customXml/item3.xml><?xml version="1.0" encoding="utf-8"?>
 <p:properties xmlns:p="http://schemas.microsoft.com/office/2006/metadata/properties" xmlns:xsi="http://www.w3.org/2001/XMLSchema-instance" xmlns:pc="http://schemas.microsoft.com/office/infopath/2007/PartnerControls">
   <documentManagement>
@@ -7876,14 +7876,6 @@
 </file>
 
 <file path=customXml/itemProps1.xml><?xml version="1.0" encoding="utf-8"?>
-<ds:datastoreItem xmlns:ds="http://schemas.openxmlformats.org/officeDocument/2006/customXml" ds:itemID="{3706AB80-2608-47D7-8AC8-FA6BC8A9B27C}">
-  <ds:schemaRefs>
-    <ds:schemaRef ds:uri="http://schemas.microsoft.com/sharepoint/v3/contenttype/forms"/>
-  </ds:schemaRefs>
-</ds:datastoreItem>
-</file>
-
-<file path=customXml/itemProps2.xml><?xml version="1.0" encoding="utf-8"?>
 <ds:datastoreItem xmlns:ds="http://schemas.openxmlformats.org/officeDocument/2006/customXml" ds:itemID="{7D9E5D5E-A365-4A49-8140-C8CC82A61608}">
   <ds:schemaRefs>
     <ds:schemaRef ds:uri="9162bd5b-4ed9-4da3-b376-05204580ba3f"/>
@@ -7898,6 +7890,14 @@
     <ds:schemaRef ds:uri="http://schemas.microsoft.com/office/infopath/2007/PartnerControls"/>
     <ds:schemaRef ds:uri="http://schemas.openxmlformats.org/package/2006/metadata/core-properties"/>
     <ds:schemaRef ds:uri="http://www.w3.org/2001/XMLSchema"/>
+  </ds:schemaRefs>
+</ds:datastoreItem>
+</file>
+
+<file path=customXml/itemProps2.xml><?xml version="1.0" encoding="utf-8"?>
+<ds:datastoreItem xmlns:ds="http://schemas.openxmlformats.org/officeDocument/2006/customXml" ds:itemID="{3706AB80-2608-47D7-8AC8-FA6BC8A9B27C}">
+  <ds:schemaRefs>
+    <ds:schemaRef ds:uri="http://schemas.microsoft.com/sharepoint/v3/contenttype/forms"/>
   </ds:schemaRefs>
 </ds:datastoreItem>
 </file>
